--- a/tests/testfiles/Iphone16Pro.pptx
+++ b/tests/testfiles/Iphone16Pro.pptx
@@ -5,15 +5,15 @@
     <p:sldMasterId id="2147483648" r:id="rId1"/>
   </p:sldMasterIdLst>
   <p:sldIdLst>
-    <p:sldId id="256" r:id="rId6"/>
-    <p:sldId id="257" r:id="rId7"/>
-    <p:sldId id="258" r:id="rId8"/>
-    <p:sldId id="259" r:id="rId9"/>
-    <p:sldId id="260" r:id="rId10"/>
-    <p:sldId id="261" r:id="rId11"/>
-    <p:sldId id="262" r:id="rId12"/>
-    <p:sldId id="263" r:id="rId13"/>
-    <p:sldId id="264" r:id="rId14"/>
+    <p:sldId id="256" r:id="rId2"/>
+    <p:sldId id="257" r:id="rId3"/>
+    <p:sldId id="258" r:id="rId4"/>
+    <p:sldId id="259" r:id="rId5"/>
+    <p:sldId id="260" r:id="rId6"/>
+    <p:sldId id="261" r:id="rId7"/>
+    <p:sldId id="262" r:id="rId8"/>
+    <p:sldId id="263" r:id="rId9"/>
+    <p:sldId id="264" r:id="rId10"/>
   </p:sldIdLst>
   <p:sldSz cx="12192000" cy="6858000"/>
   <p:notesSz cx="6858000" cy="9144000"/>
@@ -845,7 +845,7 @@
             <a:fld id="{B61BEF0D-F0BB-DE4B-95CE-6DB70DBA9567}" type="datetimeFigureOut">
               <a:rPr lang="en-US" dirty="0"/>
               <a:pPr/>
-              <a:t>3/16/2018</a:t>
+              <a:t>5/15/25</a:t>
             </a:fld>
             <a:endParaRPr lang="en-US" dirty="0"/>
           </a:p>
@@ -899,18 +899,34 @@
   <p:clrMapOvr>
     <a:masterClrMapping/>
   </p:clrMapOvr>
-  <mc:AlternateContent xmlns:mc="http://schemas.openxmlformats.org/markup-compatibility/2006">
-    <mc:Choice xmlns:p14="http://schemas.microsoft.com/office/powerpoint/2010/main" Requires="p14">
+  <mc:AlternateContent xmlns:mc="http://schemas.openxmlformats.org/markup-compatibility/2006" xmlns:p14="http://schemas.microsoft.com/office/powerpoint/2010/main">
+    <mc:Choice Requires="p14">
       <p:transition spd="med" p14:dur="700">
         <p:fade/>
       </p:transition>
     </mc:Choice>
-    <mc:Fallback>
+    <mc:Fallback xmlns="">
       <p:transition spd="med">
         <p:fade/>
       </p:transition>
     </mc:Fallback>
   </mc:AlternateContent>
+  <p:extLst>
+    <p:ext uri="{DCECCB84-F9BA-43D5-87BE-67443E8EF086}">
+      <p15:sldGuideLst xmlns:p15="http://schemas.microsoft.com/office/powerpoint/2012/main">
+        <p15:guide id="1" orient="horz" pos="2160" userDrawn="1">
+          <p15:clr>
+            <a:srgbClr val="FBAE40"/>
+          </p15:clr>
+        </p15:guide>
+        <p15:guide id="2" pos="3840" userDrawn="1">
+          <p15:clr>
+            <a:srgbClr val="FBAE40"/>
+          </p15:clr>
+        </p15:guide>
+      </p15:sldGuideLst>
+    </p:ext>
+  </p:extLst>
 </p:sldLayout>
 </file>
 
@@ -1105,7 +1121,7 @@
             <a:fld id="{B61BEF0D-F0BB-DE4B-95CE-6DB70DBA9567}" type="datetimeFigureOut">
               <a:rPr lang="en-US" dirty="0"/>
               <a:pPr/>
-              <a:t>3/16/2018</a:t>
+              <a:t>5/15/25</a:t>
             </a:fld>
             <a:endParaRPr lang="en-US" dirty="0"/>
           </a:p>
@@ -1159,13 +1175,13 @@
   <p:clrMapOvr>
     <a:masterClrMapping/>
   </p:clrMapOvr>
-  <mc:AlternateContent xmlns:mc="http://schemas.openxmlformats.org/markup-compatibility/2006">
-    <mc:Choice xmlns:p14="http://schemas.microsoft.com/office/powerpoint/2010/main" Requires="p14">
+  <mc:AlternateContent xmlns:mc="http://schemas.openxmlformats.org/markup-compatibility/2006" xmlns:p14="http://schemas.microsoft.com/office/powerpoint/2010/main">
+    <mc:Choice Requires="p14">
       <p:transition spd="med" p14:dur="700">
         <p:fade/>
       </p:transition>
     </mc:Choice>
-    <mc:Fallback>
+    <mc:Fallback xmlns="">
       <p:transition spd="med">
         <p:fade/>
       </p:transition>
@@ -1428,7 +1444,7 @@
             <a:fld id="{B61BEF0D-F0BB-DE4B-95CE-6DB70DBA9567}" type="datetimeFigureOut">
               <a:rPr lang="en-US" dirty="0"/>
               <a:pPr/>
-              <a:t>3/16/2018</a:t>
+              <a:t>5/15/25</a:t>
             </a:fld>
             <a:endParaRPr lang="en-US" dirty="0"/>
           </a:p>
@@ -1558,13 +1574,13 @@
   <p:clrMapOvr>
     <a:masterClrMapping/>
   </p:clrMapOvr>
-  <mc:AlternateContent xmlns:mc="http://schemas.openxmlformats.org/markup-compatibility/2006">
-    <mc:Choice xmlns:p14="http://schemas.microsoft.com/office/powerpoint/2010/main" Requires="p14">
+  <mc:AlternateContent xmlns:mc="http://schemas.openxmlformats.org/markup-compatibility/2006" xmlns:p14="http://schemas.microsoft.com/office/powerpoint/2010/main">
+    <mc:Choice Requires="p14">
       <p:transition spd="med" p14:dur="700">
         <p:fade/>
       </p:transition>
     </mc:Choice>
-    <mc:Fallback>
+    <mc:Fallback xmlns="">
       <p:transition spd="med">
         <p:fade/>
       </p:transition>
@@ -1764,7 +1780,7 @@
             <a:fld id="{B61BEF0D-F0BB-DE4B-95CE-6DB70DBA9567}" type="datetimeFigureOut">
               <a:rPr lang="en-US" dirty="0"/>
               <a:pPr/>
-              <a:t>3/16/2018</a:t>
+              <a:t>5/15/25</a:t>
             </a:fld>
             <a:endParaRPr lang="en-US" dirty="0"/>
           </a:p>
@@ -1818,13 +1834,13 @@
   <p:clrMapOvr>
     <a:masterClrMapping/>
   </p:clrMapOvr>
-  <mc:AlternateContent xmlns:mc="http://schemas.openxmlformats.org/markup-compatibility/2006">
-    <mc:Choice xmlns:p14="http://schemas.microsoft.com/office/powerpoint/2010/main" Requires="p14">
+  <mc:AlternateContent xmlns:mc="http://schemas.openxmlformats.org/markup-compatibility/2006" xmlns:p14="http://schemas.microsoft.com/office/powerpoint/2010/main">
+    <mc:Choice Requires="p14">
       <p:transition spd="med" p14:dur="700">
         <p:fade/>
       </p:transition>
     </mc:Choice>
-    <mc:Fallback>
+    <mc:Fallback xmlns="">
       <p:transition spd="med">
         <p:fade/>
       </p:transition>
@@ -2087,7 +2103,7 @@
             <a:fld id="{B61BEF0D-F0BB-DE4B-95CE-6DB70DBA9567}" type="datetimeFigureOut">
               <a:rPr lang="en-US" dirty="0"/>
               <a:pPr/>
-              <a:t>3/16/2018</a:t>
+              <a:t>5/15/25</a:t>
             </a:fld>
             <a:endParaRPr lang="en-US" dirty="0"/>
           </a:p>
@@ -2217,13 +2233,13 @@
   <p:clrMapOvr>
     <a:masterClrMapping/>
   </p:clrMapOvr>
-  <mc:AlternateContent xmlns:mc="http://schemas.openxmlformats.org/markup-compatibility/2006">
-    <mc:Choice xmlns:p14="http://schemas.microsoft.com/office/powerpoint/2010/main" Requires="p14">
+  <mc:AlternateContent xmlns:mc="http://schemas.openxmlformats.org/markup-compatibility/2006" xmlns:p14="http://schemas.microsoft.com/office/powerpoint/2010/main">
+    <mc:Choice Requires="p14">
       <p:transition spd="med" p14:dur="700">
         <p:fade/>
       </p:transition>
     </mc:Choice>
-    <mc:Fallback>
+    <mc:Fallback xmlns="">
       <p:transition spd="med">
         <p:fade/>
       </p:transition>
@@ -2483,7 +2499,7 @@
             <a:fld id="{B61BEF0D-F0BB-DE4B-95CE-6DB70DBA9567}" type="datetimeFigureOut">
               <a:rPr lang="en-US" dirty="0"/>
               <a:pPr/>
-              <a:t>3/16/2018</a:t>
+              <a:t>5/15/25</a:t>
             </a:fld>
             <a:endParaRPr lang="en-US" dirty="0"/>
           </a:p>
@@ -2537,379 +2553,13 @@
   <p:clrMapOvr>
     <a:masterClrMapping/>
   </p:clrMapOvr>
-  <mc:AlternateContent xmlns:mc="http://schemas.openxmlformats.org/markup-compatibility/2006">
-    <mc:Choice xmlns:p14="http://schemas.microsoft.com/office/powerpoint/2010/main" Requires="p14">
+  <mc:AlternateContent xmlns:mc="http://schemas.openxmlformats.org/markup-compatibility/2006" xmlns:p14="http://schemas.microsoft.com/office/powerpoint/2010/main">
+    <mc:Choice Requires="p14">
       <p:transition spd="med" p14:dur="700">
         <p:fade/>
       </p:transition>
     </mc:Choice>
-    <mc:Fallback>
-      <p:transition spd="med">
-        <p:fade/>
-      </p:transition>
-    </mc:Fallback>
-  </mc:AlternateContent>
-</p:sldLayout>
-</file>
-
-<file path=ppt/slideLayouts/slideLayout15.xml><?xml version="1.0" encoding="utf-8"?>
-<p:sldLayout xmlns:a="http://schemas.openxmlformats.org/drawingml/2006/main" xmlns:r="http://schemas.openxmlformats.org/officeDocument/2006/relationships" xmlns:p="http://schemas.openxmlformats.org/presentationml/2006/main" type="vertTx" preserve="1">
-  <p:cSld name="Title and Vertical Text">
-    <p:spTree>
-      <p:nvGrpSpPr>
-        <p:cNvPr id="1" name=""/>
-        <p:cNvGrpSpPr/>
-        <p:nvPr/>
-      </p:nvGrpSpPr>
-      <p:grpSpPr>
-        <a:xfrm>
-          <a:off x="0" y="0"/>
-          <a:ext cx="0" cy="0"/>
-          <a:chOff x="0" y="0"/>
-          <a:chExt cx="0" cy="0"/>
-        </a:xfrm>
-      </p:grpSpPr>
-      <p:sp>
-        <p:nvSpPr>
-          <p:cNvPr id="2" name="Title 1"/>
-          <p:cNvSpPr>
-            <a:spLocks noGrp="1"/>
-          </p:cNvSpPr>
-          <p:nvPr>
-            <p:ph type="title"/>
-          </p:nvPr>
-        </p:nvSpPr>
-        <p:spPr/>
-        <p:txBody>
-          <a:bodyPr/>
-          <a:lstStyle/>
-          <a:p>
-            <a:r>
-              <a:rPr lang="en-US"/>
-              <a:t>Click to edit Master title style</a:t>
-            </a:r>
-            <a:endParaRPr lang="en-US" dirty="0"/>
-          </a:p>
-        </p:txBody>
-      </p:sp>
-      <p:sp>
-        <p:nvSpPr>
-          <p:cNvPr id="3" name="Vertical Text Placeholder 2"/>
-          <p:cNvSpPr>
-            <a:spLocks noGrp="1"/>
-          </p:cNvSpPr>
-          <p:nvPr>
-            <p:ph type="body" orient="vert" idx="1"/>
-          </p:nvPr>
-        </p:nvSpPr>
-        <p:spPr/>
-        <p:txBody>
-          <a:bodyPr vert="eaVert"/>
-          <a:lstStyle/>
-          <a:p>
-            <a:pPr lvl="0"/>
-            <a:r>
-              <a:rPr lang="en-US"/>
-              <a:t>Edit Master text styles</a:t>
-            </a:r>
-          </a:p>
-          <a:p>
-            <a:pPr lvl="1"/>
-            <a:r>
-              <a:rPr lang="en-US"/>
-              <a:t>Second level</a:t>
-            </a:r>
-          </a:p>
-          <a:p>
-            <a:pPr lvl="2"/>
-            <a:r>
-              <a:rPr lang="en-US"/>
-              <a:t>Third level</a:t>
-            </a:r>
-          </a:p>
-          <a:p>
-            <a:pPr lvl="3"/>
-            <a:r>
-              <a:rPr lang="en-US"/>
-              <a:t>Fourth level</a:t>
-            </a:r>
-          </a:p>
-          <a:p>
-            <a:pPr lvl="4"/>
-            <a:r>
-              <a:rPr lang="en-US"/>
-              <a:t>Fifth level</a:t>
-            </a:r>
-            <a:endParaRPr lang="en-US" dirty="0"/>
-          </a:p>
-        </p:txBody>
-      </p:sp>
-      <p:sp>
-        <p:nvSpPr>
-          <p:cNvPr id="4" name="Date Placeholder 3"/>
-          <p:cNvSpPr>
-            <a:spLocks noGrp="1"/>
-          </p:cNvSpPr>
-          <p:nvPr>
-            <p:ph type="dt" sz="half" idx="10"/>
-          </p:nvPr>
-        </p:nvSpPr>
-        <p:spPr/>
-        <p:txBody>
-          <a:bodyPr/>
-          <a:lstStyle/>
-          <a:p>
-            <a:fld id="{55C6B4A9-1611-4792-9094-5F34BCA07E0B}" type="datetimeFigureOut">
-              <a:rPr lang="en-US" dirty="0"/>
-              <a:t>3/16/2018</a:t>
-            </a:fld>
-            <a:endParaRPr lang="en-US" dirty="0"/>
-          </a:p>
-        </p:txBody>
-      </p:sp>
-      <p:sp>
-        <p:nvSpPr>
-          <p:cNvPr id="5" name="Footer Placeholder 4"/>
-          <p:cNvSpPr>
-            <a:spLocks noGrp="1"/>
-          </p:cNvSpPr>
-          <p:nvPr>
-            <p:ph type="ftr" sz="quarter" idx="11"/>
-          </p:nvPr>
-        </p:nvSpPr>
-        <p:spPr/>
-        <p:txBody>
-          <a:bodyPr/>
-          <a:lstStyle/>
-          <a:p>
-            <a:endParaRPr lang="en-US" dirty="0"/>
-          </a:p>
-        </p:txBody>
-      </p:sp>
-      <p:sp>
-        <p:nvSpPr>
-          <p:cNvPr id="6" name="Slide Number Placeholder 5"/>
-          <p:cNvSpPr>
-            <a:spLocks noGrp="1"/>
-          </p:cNvSpPr>
-          <p:nvPr>
-            <p:ph type="sldNum" sz="quarter" idx="12"/>
-          </p:nvPr>
-        </p:nvSpPr>
-        <p:spPr/>
-        <p:txBody>
-          <a:bodyPr/>
-          <a:lstStyle/>
-          <a:p>
-            <a:fld id="{89333C77-0158-454C-844F-B7AB9BD7DAD4}" type="slidenum">
-              <a:rPr lang="en-US" dirty="0"/>
-              <a:t>‹#›</a:t>
-            </a:fld>
-            <a:endParaRPr lang="en-US" dirty="0"/>
-          </a:p>
-        </p:txBody>
-      </p:sp>
-    </p:spTree>
-  </p:cSld>
-  <p:clrMapOvr>
-    <a:masterClrMapping/>
-  </p:clrMapOvr>
-  <mc:AlternateContent xmlns:mc="http://schemas.openxmlformats.org/markup-compatibility/2006">
-    <mc:Choice xmlns:p14="http://schemas.microsoft.com/office/powerpoint/2010/main" Requires="p14">
-      <p:transition spd="med" p14:dur="700">
-        <p:fade/>
-      </p:transition>
-    </mc:Choice>
-    <mc:Fallback>
-      <p:transition spd="med">
-        <p:fade/>
-      </p:transition>
-    </mc:Fallback>
-  </mc:AlternateContent>
-</p:sldLayout>
-</file>
-
-<file path=ppt/slideLayouts/slideLayout16.xml><?xml version="1.0" encoding="utf-8"?>
-<p:sldLayout xmlns:a="http://schemas.openxmlformats.org/drawingml/2006/main" xmlns:r="http://schemas.openxmlformats.org/officeDocument/2006/relationships" xmlns:p="http://schemas.openxmlformats.org/presentationml/2006/main" type="vertTitleAndTx" preserve="1">
-  <p:cSld name="Vertical Title and Text">
-    <p:spTree>
-      <p:nvGrpSpPr>
-        <p:cNvPr id="1" name=""/>
-        <p:cNvGrpSpPr/>
-        <p:nvPr/>
-      </p:nvGrpSpPr>
-      <p:grpSpPr>
-        <a:xfrm>
-          <a:off x="0" y="0"/>
-          <a:ext cx="0" cy="0"/>
-          <a:chOff x="0" y="0"/>
-          <a:chExt cx="0" cy="0"/>
-        </a:xfrm>
-      </p:grpSpPr>
-      <p:sp>
-        <p:nvSpPr>
-          <p:cNvPr id="2" name="Vertical Title 1"/>
-          <p:cNvSpPr>
-            <a:spLocks noGrp="1"/>
-          </p:cNvSpPr>
-          <p:nvPr>
-            <p:ph type="title" orient="vert"/>
-          </p:nvPr>
-        </p:nvSpPr>
-        <p:spPr>
-          <a:xfrm>
-            <a:off x="7967673" y="609599"/>
-            <a:ext cx="1304743" cy="5251451"/>
-          </a:xfrm>
-        </p:spPr>
-        <p:txBody>
-          <a:bodyPr vert="eaVert" anchor="ctr"/>
-          <a:lstStyle/>
-          <a:p>
-            <a:r>
-              <a:rPr lang="en-US"/>
-              <a:t>Click to edit Master title style</a:t>
-            </a:r>
-            <a:endParaRPr lang="en-US" dirty="0"/>
-          </a:p>
-        </p:txBody>
-      </p:sp>
-      <p:sp>
-        <p:nvSpPr>
-          <p:cNvPr id="3" name="Vertical Text Placeholder 2"/>
-          <p:cNvSpPr>
-            <a:spLocks noGrp="1"/>
-          </p:cNvSpPr>
-          <p:nvPr>
-            <p:ph type="body" orient="vert" idx="1"/>
-          </p:nvPr>
-        </p:nvSpPr>
-        <p:spPr>
-          <a:xfrm>
-            <a:off x="677335" y="609600"/>
-            <a:ext cx="7060150" cy="5251450"/>
-          </a:xfrm>
-        </p:spPr>
-        <p:txBody>
-          <a:bodyPr vert="eaVert"/>
-          <a:lstStyle/>
-          <a:p>
-            <a:pPr lvl="0"/>
-            <a:r>
-              <a:rPr lang="en-US"/>
-              <a:t>Edit Master text styles</a:t>
-            </a:r>
-          </a:p>
-          <a:p>
-            <a:pPr lvl="1"/>
-            <a:r>
-              <a:rPr lang="en-US"/>
-              <a:t>Second level</a:t>
-            </a:r>
-          </a:p>
-          <a:p>
-            <a:pPr lvl="2"/>
-            <a:r>
-              <a:rPr lang="en-US"/>
-              <a:t>Third level</a:t>
-            </a:r>
-          </a:p>
-          <a:p>
-            <a:pPr lvl="3"/>
-            <a:r>
-              <a:rPr lang="en-US"/>
-              <a:t>Fourth level</a:t>
-            </a:r>
-          </a:p>
-          <a:p>
-            <a:pPr lvl="4"/>
-            <a:r>
-              <a:rPr lang="en-US"/>
-              <a:t>Fifth level</a:t>
-            </a:r>
-            <a:endParaRPr lang="en-US" dirty="0"/>
-          </a:p>
-        </p:txBody>
-      </p:sp>
-      <p:sp>
-        <p:nvSpPr>
-          <p:cNvPr id="4" name="Date Placeholder 3"/>
-          <p:cNvSpPr>
-            <a:spLocks noGrp="1"/>
-          </p:cNvSpPr>
-          <p:nvPr>
-            <p:ph type="dt" sz="half" idx="10"/>
-          </p:nvPr>
-        </p:nvSpPr>
-        <p:spPr/>
-        <p:txBody>
-          <a:bodyPr/>
-          <a:lstStyle/>
-          <a:p>
-            <a:fld id="{B61BEF0D-F0BB-DE4B-95CE-6DB70DBA9567}" type="datetimeFigureOut">
-              <a:rPr lang="en-US" dirty="0"/>
-              <a:pPr/>
-              <a:t>3/16/2018</a:t>
-            </a:fld>
-            <a:endParaRPr lang="en-US" dirty="0"/>
-          </a:p>
-        </p:txBody>
-      </p:sp>
-      <p:sp>
-        <p:nvSpPr>
-          <p:cNvPr id="5" name="Footer Placeholder 4"/>
-          <p:cNvSpPr>
-            <a:spLocks noGrp="1"/>
-          </p:cNvSpPr>
-          <p:nvPr>
-            <p:ph type="ftr" sz="quarter" idx="11"/>
-          </p:nvPr>
-        </p:nvSpPr>
-        <p:spPr/>
-        <p:txBody>
-          <a:bodyPr/>
-          <a:lstStyle/>
-          <a:p>
-            <a:endParaRPr lang="en-US" dirty="0"/>
-          </a:p>
-        </p:txBody>
-      </p:sp>
-      <p:sp>
-        <p:nvSpPr>
-          <p:cNvPr id="6" name="Slide Number Placeholder 5"/>
-          <p:cNvSpPr>
-            <a:spLocks noGrp="1"/>
-          </p:cNvSpPr>
-          <p:nvPr>
-            <p:ph type="sldNum" sz="quarter" idx="12"/>
-          </p:nvPr>
-        </p:nvSpPr>
-        <p:spPr/>
-        <p:txBody>
-          <a:bodyPr/>
-          <a:lstStyle/>
-          <a:p>
-            <a:fld id="{D57F1E4F-1CFF-5643-939E-217C01CDF565}" type="slidenum">
-              <a:rPr lang="en-US" dirty="0"/>
-              <a:pPr/>
-              <a:t>‹#›</a:t>
-            </a:fld>
-            <a:endParaRPr lang="en-US" dirty="0"/>
-          </a:p>
-        </p:txBody>
-      </p:sp>
-    </p:spTree>
-  </p:cSld>
-  <p:clrMapOvr>
-    <a:masterClrMapping/>
-  </p:clrMapOvr>
-  <mc:AlternateContent xmlns:mc="http://schemas.openxmlformats.org/markup-compatibility/2006">
-    <mc:Choice xmlns:p14="http://schemas.microsoft.com/office/powerpoint/2010/main" Requires="p14">
-      <p:transition spd="med" p14:dur="700">
-        <p:fade/>
-      </p:transition>
-    </mc:Choice>
-    <mc:Fallback>
+    <mc:Fallback xmlns="">
       <p:transition spd="med">
         <p:fade/>
       </p:transition>
@@ -3034,7 +2684,7 @@
             <a:fld id="{B61BEF0D-F0BB-DE4B-95CE-6DB70DBA9567}" type="datetimeFigureOut">
               <a:rPr lang="en-US" dirty="0"/>
               <a:pPr/>
-              <a:t>3/16/2018</a:t>
+              <a:t>5/15/25</a:t>
             </a:fld>
             <a:endParaRPr lang="en-US" dirty="0"/>
           </a:p>
@@ -3088,13 +2738,13 @@
   <p:clrMapOvr>
     <a:masterClrMapping/>
   </p:clrMapOvr>
-  <mc:AlternateContent xmlns:mc="http://schemas.openxmlformats.org/markup-compatibility/2006">
-    <mc:Choice xmlns:p14="http://schemas.microsoft.com/office/powerpoint/2010/main" Requires="p14">
+  <mc:AlternateContent xmlns:mc="http://schemas.openxmlformats.org/markup-compatibility/2006" xmlns:p14="http://schemas.microsoft.com/office/powerpoint/2010/main">
+    <mc:Choice Requires="p14">
       <p:transition spd="med" p14:dur="700">
         <p:fade/>
       </p:transition>
     </mc:Choice>
-    <mc:Fallback>
+    <mc:Fallback xmlns="">
       <p:transition spd="med">
         <p:fade/>
       </p:transition>
@@ -3290,7 +2940,7 @@
             <a:fld id="{B61BEF0D-F0BB-DE4B-95CE-6DB70DBA9567}" type="datetimeFigureOut">
               <a:rPr lang="en-US" dirty="0"/>
               <a:pPr/>
-              <a:t>3/16/2018</a:t>
+              <a:t>5/15/25</a:t>
             </a:fld>
             <a:endParaRPr lang="en-US" dirty="0"/>
           </a:p>
@@ -3344,13 +2994,13 @@
   <p:clrMapOvr>
     <a:masterClrMapping/>
   </p:clrMapOvr>
-  <mc:AlternateContent xmlns:mc="http://schemas.openxmlformats.org/markup-compatibility/2006">
-    <mc:Choice xmlns:p14="http://schemas.microsoft.com/office/powerpoint/2010/main" Requires="p14">
+  <mc:AlternateContent xmlns:mc="http://schemas.openxmlformats.org/markup-compatibility/2006" xmlns:p14="http://schemas.microsoft.com/office/powerpoint/2010/main">
+    <mc:Choice Requires="p14">
       <p:transition spd="med" p14:dur="700">
         <p:fade/>
       </p:transition>
     </mc:Choice>
-    <mc:Fallback>
+    <mc:Fallback xmlns="">
       <p:transition spd="med">
         <p:fade/>
       </p:transition>
@@ -3530,7 +3180,7 @@
           <a:p>
             <a:fld id="{EB712588-04B1-427B-82EE-E8DB90309F08}" type="datetimeFigureOut">
               <a:rPr lang="en-US" dirty="0"/>
-              <a:t>3/16/2018</a:t>
+              <a:t>5/15/25</a:t>
             </a:fld>
             <a:endParaRPr lang="en-US" dirty="0"/>
           </a:p>
@@ -3583,13 +3233,13 @@
   <p:clrMapOvr>
     <a:masterClrMapping/>
   </p:clrMapOvr>
-  <mc:AlternateContent xmlns:mc="http://schemas.openxmlformats.org/markup-compatibility/2006">
-    <mc:Choice xmlns:p14="http://schemas.microsoft.com/office/powerpoint/2010/main" Requires="p14">
+  <mc:AlternateContent xmlns:mc="http://schemas.openxmlformats.org/markup-compatibility/2006" xmlns:p14="http://schemas.microsoft.com/office/powerpoint/2010/main">
+    <mc:Choice Requires="p14">
       <p:transition spd="med" p14:dur="700">
         <p:fade/>
       </p:transition>
     </mc:Choice>
-    <mc:Fallback>
+    <mc:Fallback xmlns="">
       <p:transition spd="med">
         <p:fade/>
       </p:transition>
@@ -3912,7 +3562,7 @@
             <a:fld id="{B61BEF0D-F0BB-DE4B-95CE-6DB70DBA9567}" type="datetimeFigureOut">
               <a:rPr lang="en-US" dirty="0"/>
               <a:pPr/>
-              <a:t>3/16/2018</a:t>
+              <a:t>5/15/25</a:t>
             </a:fld>
             <a:endParaRPr lang="en-US" dirty="0"/>
           </a:p>
@@ -3966,13 +3616,13 @@
   <p:clrMapOvr>
     <a:masterClrMapping/>
   </p:clrMapOvr>
-  <mc:AlternateContent xmlns:mc="http://schemas.openxmlformats.org/markup-compatibility/2006">
-    <mc:Choice xmlns:p14="http://schemas.microsoft.com/office/powerpoint/2010/main" Requires="p14">
+  <mc:AlternateContent xmlns:mc="http://schemas.openxmlformats.org/markup-compatibility/2006" xmlns:p14="http://schemas.microsoft.com/office/powerpoint/2010/main">
+    <mc:Choice Requires="p14">
       <p:transition spd="med" p14:dur="700">
         <p:fade/>
       </p:transition>
     </mc:Choice>
-    <mc:Fallback>
+    <mc:Fallback xmlns="">
       <p:transition spd="med">
         <p:fade/>
       </p:transition>
@@ -4044,7 +3694,7 @@
             <a:fld id="{B61BEF0D-F0BB-DE4B-95CE-6DB70DBA9567}" type="datetimeFigureOut">
               <a:rPr lang="en-US" dirty="0"/>
               <a:pPr/>
-              <a:t>3/16/2018</a:t>
+              <a:t>5/15/25</a:t>
             </a:fld>
             <a:endParaRPr lang="en-US" dirty="0"/>
           </a:p>
@@ -4098,13 +3748,13 @@
   <p:clrMapOvr>
     <a:masterClrMapping/>
   </p:clrMapOvr>
-  <mc:AlternateContent xmlns:mc="http://schemas.openxmlformats.org/markup-compatibility/2006">
-    <mc:Choice xmlns:p14="http://schemas.microsoft.com/office/powerpoint/2010/main" Requires="p14">
+  <mc:AlternateContent xmlns:mc="http://schemas.openxmlformats.org/markup-compatibility/2006" xmlns:p14="http://schemas.microsoft.com/office/powerpoint/2010/main">
+    <mc:Choice Requires="p14">
       <p:transition spd="med" p14:dur="700">
         <p:fade/>
       </p:transition>
     </mc:Choice>
-    <mc:Fallback>
+    <mc:Fallback xmlns="">
       <p:transition spd="med">
         <p:fade/>
       </p:transition>
@@ -4148,7 +3798,7 @@
             <a:fld id="{B61BEF0D-F0BB-DE4B-95CE-6DB70DBA9567}" type="datetimeFigureOut">
               <a:rPr lang="en-US" dirty="0"/>
               <a:pPr/>
-              <a:t>3/16/2018</a:t>
+              <a:t>5/15/25</a:t>
             </a:fld>
             <a:endParaRPr lang="en-US" dirty="0"/>
           </a:p>
@@ -4202,13 +3852,13 @@
   <p:clrMapOvr>
     <a:masterClrMapping/>
   </p:clrMapOvr>
-  <mc:AlternateContent xmlns:mc="http://schemas.openxmlformats.org/markup-compatibility/2006">
-    <mc:Choice xmlns:p14="http://schemas.microsoft.com/office/powerpoint/2010/main" Requires="p14">
+  <mc:AlternateContent xmlns:mc="http://schemas.openxmlformats.org/markup-compatibility/2006" xmlns:p14="http://schemas.microsoft.com/office/powerpoint/2010/main">
+    <mc:Choice Requires="p14">
       <p:transition spd="med" p14:dur="700">
         <p:fade/>
       </p:transition>
     </mc:Choice>
-    <mc:Fallback>
+    <mc:Fallback xmlns="">
       <p:transition spd="med">
         <p:fade/>
       </p:transition>
@@ -4411,7 +4061,7 @@
           <a:p>
             <a:fld id="{42A54C80-263E-416B-A8E0-580EDEADCBDC}" type="datetimeFigureOut">
               <a:rPr lang="en-US" dirty="0"/>
-              <a:t>3/16/2018</a:t>
+              <a:t>5/15/25</a:t>
             </a:fld>
             <a:endParaRPr lang="en-US" dirty="0"/>
           </a:p>
@@ -4464,13 +4114,13 @@
   <p:clrMapOvr>
     <a:masterClrMapping/>
   </p:clrMapOvr>
-  <mc:AlternateContent xmlns:mc="http://schemas.openxmlformats.org/markup-compatibility/2006">
-    <mc:Choice xmlns:p14="http://schemas.microsoft.com/office/powerpoint/2010/main" Requires="p14">
+  <mc:AlternateContent xmlns:mc="http://schemas.openxmlformats.org/markup-compatibility/2006" xmlns:p14="http://schemas.microsoft.com/office/powerpoint/2010/main">
+    <mc:Choice Requires="p14">
       <p:transition spd="med" p14:dur="700">
         <p:fade/>
       </p:transition>
     </mc:Choice>
-    <mc:Fallback>
+    <mc:Fallback xmlns="">
       <p:transition spd="med">
         <p:fade/>
       </p:transition>
@@ -4682,7 +4332,7 @@
             <a:fld id="{B61BEF0D-F0BB-DE4B-95CE-6DB70DBA9567}" type="datetimeFigureOut">
               <a:rPr lang="en-US" dirty="0"/>
               <a:pPr/>
-              <a:t>3/16/2018</a:t>
+              <a:t>5/15/25</a:t>
             </a:fld>
             <a:endParaRPr lang="en-US" dirty="0"/>
           </a:p>
@@ -4736,13 +4386,13 @@
   <p:clrMapOvr>
     <a:masterClrMapping/>
   </p:clrMapOvr>
-  <mc:AlternateContent xmlns:mc="http://schemas.openxmlformats.org/markup-compatibility/2006">
-    <mc:Choice xmlns:p14="http://schemas.microsoft.com/office/powerpoint/2010/main" Requires="p14">
+  <mc:AlternateContent xmlns:mc="http://schemas.openxmlformats.org/markup-compatibility/2006" xmlns:p14="http://schemas.microsoft.com/office/powerpoint/2010/main">
+    <mc:Choice Requires="p14">
       <p:transition spd="med" p14:dur="700">
         <p:fade/>
       </p:transition>
     </mc:Choice>
-    <mc:Fallback>
+    <mc:Fallback xmlns="">
       <p:transition spd="med">
         <p:fade/>
       </p:transition>
@@ -5436,7 +5086,7 @@
             <a:fld id="{B61BEF0D-F0BB-DE4B-95CE-6DB70DBA9567}" type="datetimeFigureOut">
               <a:rPr lang="en-US" dirty="0"/>
               <a:pPr/>
-              <a:t>3/16/2018</a:t>
+              <a:t>5/15/25</a:t>
             </a:fld>
             <a:endParaRPr lang="en-US" dirty="0"/>
           </a:p>
@@ -5521,7 +5171,7 @@
       </p:sp>
     </p:spTree>
   </p:cSld>
-  <p:clrMap bg1="dk1" tx1="lt1" bg2="dk2" tx2="lt2" accent1="accent1" accent2="accent2" accent3="accent3" accent4="accent4" accent5="accent5" accent6="accent6" hlink="hlink" folHlink="folHlink"/>
+  <p:clrMap bg1="lt1" tx1="dk1" bg2="lt2" tx2="dk2" accent1="accent1" accent2="accent2" accent3="accent3" accent4="accent4" accent5="accent5" accent6="accent6" hlink="hlink" folHlink="folHlink"/>
   <p:sldLayoutIdLst>
     <p:sldLayoutId id="2147483649" r:id="rId1"/>
     <p:sldLayoutId id="2147483650" r:id="rId2"/>
@@ -5537,16 +5187,14 @@
     <p:sldLayoutId id="2147483662" r:id="rId12"/>
     <p:sldLayoutId id="2147483663" r:id="rId13"/>
     <p:sldLayoutId id="2147483664" r:id="rId14"/>
-    <p:sldLayoutId id="2147483667" r:id="rId15"/>
-    <p:sldLayoutId id="2147483659" r:id="rId16"/>
   </p:sldLayoutIdLst>
-  <mc:AlternateContent xmlns:mc="http://schemas.openxmlformats.org/markup-compatibility/2006">
-    <mc:Choice xmlns:p14="http://schemas.microsoft.com/office/powerpoint/2010/main" Requires="p14">
+  <mc:AlternateContent xmlns:mc="http://schemas.openxmlformats.org/markup-compatibility/2006" xmlns:p14="http://schemas.microsoft.com/office/powerpoint/2010/main">
+    <mc:Choice Requires="p14">
       <p:transition spd="med" p14:dur="700">
         <p:fade/>
       </p:transition>
     </mc:Choice>
-    <mc:Fallback>
+    <mc:Fallback xmlns="">
       <p:transition spd="med">
         <p:fade/>
       </p:transition>
@@ -5952,7 +5600,7 @@
 </file>
 
 <file path=ppt/slides/slide1.xml><?xml version="1.0" encoding="utf-8"?>
-<p:sld xmlns:a="http://schemas.openxmlformats.org/drawingml/2006/main" xmlns:p="http://schemas.openxmlformats.org/presentationml/2006/main" xmlns:r="http://schemas.openxmlformats.org/officeDocument/2006/relationships">
+<p:sld xmlns:a="http://schemas.openxmlformats.org/drawingml/2006/main" xmlns:r="http://schemas.openxmlformats.org/officeDocument/2006/relationships" xmlns:p="http://schemas.openxmlformats.org/presentationml/2006/main">
   <p:cSld>
     <p:bg>
       <p:bgPr>
@@ -5966,7 +5614,14 @@
         <p:cNvGrpSpPr/>
         <p:nvPr/>
       </p:nvGrpSpPr>
-      <p:grpSpPr/>
+      <p:grpSpPr>
+        <a:xfrm>
+          <a:off x="0" y="0"/>
+          <a:ext cx="0" cy="0"/>
+          <a:chOff x="0" y="0"/>
+          <a:chExt cx="0" cy="0"/>
+        </a:xfrm>
+      </p:grpSpPr>
       <p:sp>
         <p:nvSpPr>
           <p:cNvPr id="2" name="Title 1">
@@ -6089,7 +5744,7 @@
 </file>
 
 <file path=ppt/slides/slide2.xml><?xml version="1.0" encoding="utf-8"?>
-<p:sld xmlns:a="http://schemas.openxmlformats.org/drawingml/2006/main" xmlns:p="http://schemas.openxmlformats.org/presentationml/2006/main" xmlns:r="http://schemas.openxmlformats.org/officeDocument/2006/relationships">
+<p:sld xmlns:a="http://schemas.openxmlformats.org/drawingml/2006/main" xmlns:r="http://schemas.openxmlformats.org/officeDocument/2006/relationships" xmlns:p="http://schemas.openxmlformats.org/presentationml/2006/main">
   <p:cSld>
     <p:bg>
       <p:bgPr>
@@ -6103,7 +5758,14 @@
         <p:cNvGrpSpPr/>
         <p:nvPr/>
       </p:nvGrpSpPr>
-      <p:grpSpPr/>
+      <p:grpSpPr>
+        <a:xfrm>
+          <a:off x="0" y="0"/>
+          <a:ext cx="0" cy="0"/>
+          <a:chOff x="0" y="0"/>
+          <a:chExt cx="0" cy="0"/>
+        </a:xfrm>
+      </p:grpSpPr>
       <p:sp>
         <p:nvSpPr>
           <p:cNvPr id="2" name="Title 1">
@@ -6285,7 +5947,7 @@
 </file>
 
 <file path=ppt/slides/slide3.xml><?xml version="1.0" encoding="utf-8"?>
-<p:sld xmlns:a="http://schemas.openxmlformats.org/drawingml/2006/main" xmlns:p="http://schemas.openxmlformats.org/presentationml/2006/main" xmlns:r="http://schemas.openxmlformats.org/officeDocument/2006/relationships">
+<p:sld xmlns:a="http://schemas.openxmlformats.org/drawingml/2006/main" xmlns:r="http://schemas.openxmlformats.org/officeDocument/2006/relationships" xmlns:p="http://schemas.openxmlformats.org/presentationml/2006/main">
   <p:cSld>
     <p:bg>
       <p:bgPr>
@@ -6299,7 +5961,14 @@
         <p:cNvGrpSpPr/>
         <p:nvPr/>
       </p:nvGrpSpPr>
-      <p:grpSpPr/>
+      <p:grpSpPr>
+        <a:xfrm>
+          <a:off x="0" y="0"/>
+          <a:ext cx="0" cy="0"/>
+          <a:chOff x="0" y="0"/>
+          <a:chExt cx="0" cy="0"/>
+        </a:xfrm>
+      </p:grpSpPr>
       <p:sp>
         <p:nvSpPr>
           <p:cNvPr id="2" name="Title 1">
@@ -6394,7 +6063,7 @@
         </p:spPr>
         <p:txBody>
           <a:bodyPr>
-            <a:normAutofit lnSpcReduction="10000"/>
+            <a:normAutofit/>
           </a:bodyPr>
           <a:lstStyle>
             <a:lvl1pPr>
@@ -6453,7 +6122,7 @@
 </file>
 
 <file path=ppt/slides/slide4.xml><?xml version="1.0" encoding="utf-8"?>
-<p:sld xmlns:a="http://schemas.openxmlformats.org/drawingml/2006/main" xmlns:p="http://schemas.openxmlformats.org/presentationml/2006/main" xmlns:r="http://schemas.openxmlformats.org/officeDocument/2006/relationships">
+<p:sld xmlns:a="http://schemas.openxmlformats.org/drawingml/2006/main" xmlns:r="http://schemas.openxmlformats.org/officeDocument/2006/relationships" xmlns:p="http://schemas.openxmlformats.org/presentationml/2006/main">
   <p:cSld>
     <p:bg>
       <p:bgPr>
@@ -6467,7 +6136,14 @@
         <p:cNvGrpSpPr/>
         <p:nvPr/>
       </p:nvGrpSpPr>
-      <p:grpSpPr/>
+      <p:grpSpPr>
+        <a:xfrm>
+          <a:off x="0" y="0"/>
+          <a:ext cx="0" cy="0"/>
+          <a:chOff x="0" y="0"/>
+          <a:chExt cx="0" cy="0"/>
+        </a:xfrm>
+      </p:grpSpPr>
       <p:sp>
         <p:nvSpPr>
           <p:cNvPr id="2" name="Title 1">
@@ -6562,7 +6238,7 @@
         </p:spPr>
         <p:txBody>
           <a:bodyPr>
-            <a:normAutofit lnSpcReduction="10000"/>
+            <a:normAutofit/>
           </a:bodyPr>
           <a:lstStyle>
             <a:lvl1pPr>
@@ -6621,7 +6297,7 @@
 </file>
 
 <file path=ppt/slides/slide5.xml><?xml version="1.0" encoding="utf-8"?>
-<p:sld xmlns:a="http://schemas.openxmlformats.org/drawingml/2006/main" xmlns:p="http://schemas.openxmlformats.org/presentationml/2006/main" xmlns:r="http://schemas.openxmlformats.org/officeDocument/2006/relationships">
+<p:sld xmlns:a="http://schemas.openxmlformats.org/drawingml/2006/main" xmlns:r="http://schemas.openxmlformats.org/officeDocument/2006/relationships" xmlns:p="http://schemas.openxmlformats.org/presentationml/2006/main">
   <p:cSld>
     <p:bg>
       <p:bgPr>
@@ -6635,7 +6311,14 @@
         <p:cNvGrpSpPr/>
         <p:nvPr/>
       </p:nvGrpSpPr>
-      <p:grpSpPr/>
+      <p:grpSpPr>
+        <a:xfrm>
+          <a:off x="0" y="0"/>
+          <a:ext cx="0" cy="0"/>
+          <a:chOff x="0" y="0"/>
+          <a:chExt cx="0" cy="0"/>
+        </a:xfrm>
+      </p:grpSpPr>
       <p:sp>
         <p:nvSpPr>
           <p:cNvPr id="2" name="Title 1">
@@ -6730,7 +6413,7 @@
         </p:spPr>
         <p:txBody>
           <a:bodyPr>
-            <a:normAutofit lnSpcReduction="10000"/>
+            <a:normAutofit/>
           </a:bodyPr>
           <a:lstStyle>
             <a:lvl1pPr>
@@ -6789,7 +6472,7 @@
 </file>
 
 <file path=ppt/slides/slide6.xml><?xml version="1.0" encoding="utf-8"?>
-<p:sld xmlns:a="http://schemas.openxmlformats.org/drawingml/2006/main" xmlns:p="http://schemas.openxmlformats.org/presentationml/2006/main" xmlns:r="http://schemas.openxmlformats.org/officeDocument/2006/relationships">
+<p:sld xmlns:a="http://schemas.openxmlformats.org/drawingml/2006/main" xmlns:r="http://schemas.openxmlformats.org/officeDocument/2006/relationships" xmlns:p="http://schemas.openxmlformats.org/presentationml/2006/main">
   <p:cSld>
     <p:bg>
       <p:bgPr>
@@ -6803,7 +6486,14 @@
         <p:cNvGrpSpPr/>
         <p:nvPr/>
       </p:nvGrpSpPr>
-      <p:grpSpPr/>
+      <p:grpSpPr>
+        <a:xfrm>
+          <a:off x="0" y="0"/>
+          <a:ext cx="0" cy="0"/>
+          <a:chOff x="0" y="0"/>
+          <a:chExt cx="0" cy="0"/>
+        </a:xfrm>
+      </p:grpSpPr>
       <p:sp>
         <p:nvSpPr>
           <p:cNvPr id="2" name="Title 1">
@@ -6898,7 +6588,7 @@
         </p:spPr>
         <p:txBody>
           <a:bodyPr>
-            <a:normAutofit lnSpcReduction="10000"/>
+            <a:normAutofit/>
           </a:bodyPr>
           <a:lstStyle>
             <a:lvl1pPr>
@@ -6957,7 +6647,7 @@
 </file>
 
 <file path=ppt/slides/slide7.xml><?xml version="1.0" encoding="utf-8"?>
-<p:sld xmlns:a="http://schemas.openxmlformats.org/drawingml/2006/main" xmlns:p="http://schemas.openxmlformats.org/presentationml/2006/main" xmlns:r="http://schemas.openxmlformats.org/officeDocument/2006/relationships">
+<p:sld xmlns:a="http://schemas.openxmlformats.org/drawingml/2006/main" xmlns:r="http://schemas.openxmlformats.org/officeDocument/2006/relationships" xmlns:p="http://schemas.openxmlformats.org/presentationml/2006/main">
   <p:cSld>
     <p:bg>
       <p:bgPr>
@@ -6971,7 +6661,14 @@
         <p:cNvGrpSpPr/>
         <p:nvPr/>
       </p:nvGrpSpPr>
-      <p:grpSpPr/>
+      <p:grpSpPr>
+        <a:xfrm>
+          <a:off x="0" y="0"/>
+          <a:ext cx="0" cy="0"/>
+          <a:chOff x="0" y="0"/>
+          <a:chExt cx="0" cy="0"/>
+        </a:xfrm>
+      </p:grpSpPr>
       <p:sp>
         <p:nvSpPr>
           <p:cNvPr id="2" name="Title 1">
@@ -7156,7 +6853,7 @@
 </file>
 
 <file path=ppt/slides/slide8.xml><?xml version="1.0" encoding="utf-8"?>
-<p:sld xmlns:a="http://schemas.openxmlformats.org/drawingml/2006/main" xmlns:p="http://schemas.openxmlformats.org/presentationml/2006/main" xmlns:r="http://schemas.openxmlformats.org/officeDocument/2006/relationships">
+<p:sld xmlns:a="http://schemas.openxmlformats.org/drawingml/2006/main" xmlns:r="http://schemas.openxmlformats.org/officeDocument/2006/relationships" xmlns:p="http://schemas.openxmlformats.org/presentationml/2006/main">
   <p:cSld>
     <p:bg>
       <p:bgPr>
@@ -7170,7 +6867,14 @@
         <p:cNvGrpSpPr/>
         <p:nvPr/>
       </p:nvGrpSpPr>
-      <p:grpSpPr/>
+      <p:grpSpPr>
+        <a:xfrm>
+          <a:off x="0" y="0"/>
+          <a:ext cx="0" cy="0"/>
+          <a:chOff x="0" y="0"/>
+          <a:chExt cx="0" cy="0"/>
+        </a:xfrm>
+      </p:grpSpPr>
       <p:sp>
         <p:nvSpPr>
           <p:cNvPr id="2" name="Title 1">
@@ -7355,7 +7059,7 @@
 </file>
 
 <file path=ppt/slides/slide9.xml><?xml version="1.0" encoding="utf-8"?>
-<p:sld xmlns:a="http://schemas.openxmlformats.org/drawingml/2006/main" xmlns:p="http://schemas.openxmlformats.org/presentationml/2006/main" xmlns:r="http://schemas.openxmlformats.org/officeDocument/2006/relationships">
+<p:sld xmlns:a="http://schemas.openxmlformats.org/drawingml/2006/main" xmlns:r="http://schemas.openxmlformats.org/officeDocument/2006/relationships" xmlns:p="http://schemas.openxmlformats.org/presentationml/2006/main">
   <p:cSld>
     <p:bg>
       <p:bgPr>
@@ -7369,7 +7073,14 @@
         <p:cNvGrpSpPr/>
         <p:nvPr/>
       </p:nvGrpSpPr>
-      <p:grpSpPr/>
+      <p:grpSpPr>
+        <a:xfrm>
+          <a:off x="0" y="0"/>
+          <a:ext cx="0" cy="0"/>
+          <a:chOff x="0" y="0"/>
+          <a:chExt cx="0" cy="0"/>
+        </a:xfrm>
+      </p:grpSpPr>
       <p:sp>
         <p:nvSpPr>
           <p:cNvPr id="2" name="Title 1">
